--- a/Presentation.pptx
+++ b/Presentation.pptx
@@ -9,9 +9,9 @@
     <p:sldId id="257" r:id="rId3"/>
     <p:sldId id="258" r:id="rId4"/>
     <p:sldId id="259" r:id="rId5"/>
-    <p:sldId id="260" r:id="rId6"/>
-    <p:sldId id="264" r:id="rId7"/>
-    <p:sldId id="265" r:id="rId8"/>
+    <p:sldId id="265" r:id="rId6"/>
+    <p:sldId id="260" r:id="rId7"/>
+    <p:sldId id="264" r:id="rId8"/>
     <p:sldId id="261" r:id="rId9"/>
     <p:sldId id="262" r:id="rId10"/>
     <p:sldId id="263" r:id="rId11"/>
@@ -113,6 +113,11 @@
       </a:defRPr>
     </a:lvl9pPr>
   </p:defaultTextStyle>
+  <p:extLst>
+    <p:ext uri="{EFAFB233-063F-42B5-8137-9DF3F51BA10A}">
+      <p15:sldGuideLst xmlns:p15="http://schemas.microsoft.com/office/powerpoint/2012/main"/>
+    </p:ext>
+  </p:extLst>
 </p:presentation>
 </file>
 
@@ -5029,39 +5034,63 @@
           </a:p>
         </p:txBody>
       </p:sp>
-      <p:pic>
-        <p:nvPicPr>
-          <p:cNvPr id="4" name="内容占位符 3"/>
-          <p:cNvPicPr>
-            <a:picLocks noGrp="1" noChangeAspect="1"/>
-          </p:cNvPicPr>
+      <p:sp>
+        <p:nvSpPr>
+          <p:cNvPr id="3" name="内容占位符 2"/>
+          <p:cNvSpPr>
+            <a:spLocks noGrp="1"/>
+          </p:cNvSpPr>
           <p:nvPr>
             <p:ph idx="1"/>
           </p:nvPr>
-        </p:nvPicPr>
-        <p:blipFill>
-          <a:blip r:embed="rId2" cstate="print">
-            <a:extLst>
-              <a:ext uri="{28A0092B-C50C-407E-A947-70E740481C1C}">
-                <a14:useLocalDpi xmlns:a14="http://schemas.microsoft.com/office/drawing/2010/main" val="0"/>
-              </a:ext>
-            </a:extLst>
-          </a:blip>
-          <a:stretch>
-            <a:fillRect/>
-          </a:stretch>
-        </p:blipFill>
-        <p:spPr>
-          <a:xfrm>
-            <a:off x="2907983" y="1846263"/>
-            <a:ext cx="6436360" cy="4022725"/>
-          </a:xfrm>
-        </p:spPr>
-      </p:pic>
+        </p:nvSpPr>
+        <p:spPr/>
+        <p:txBody>
+          <a:bodyPr/>
+          <a:lstStyle/>
+          <a:p>
+            <a:endParaRPr lang="en-US" altLang="zh-CN" dirty="0" smtClean="0"/>
+          </a:p>
+          <a:p>
+            <a:r>
+              <a:rPr lang="en-US" altLang="zh-CN" sz="2400" dirty="0" smtClean="0"/>
+              <a:t>Tools recommendation</a:t>
+            </a:r>
+          </a:p>
+          <a:p>
+            <a:pPr lvl="1"/>
+            <a:r>
+              <a:rPr lang="en-US" altLang="zh-CN" sz="2400" dirty="0">
+                <a:hlinkClick r:id="rId2"/>
+              </a:rPr>
+              <a:t>http://www.jsonschema2pojo.org/</a:t>
+            </a:r>
+            <a:endParaRPr lang="en-US" altLang="zh-CN" sz="2400" dirty="0"/>
+          </a:p>
+          <a:p>
+            <a:pPr lvl="1"/>
+            <a:r>
+              <a:rPr lang="en-US" altLang="zh-CN" sz="2400" dirty="0">
+                <a:hlinkClick r:id="rId3"/>
+              </a:rPr>
+              <a:t>https://code.google.com/p/google-gson/</a:t>
+            </a:r>
+            <a:endParaRPr lang="en-US" altLang="zh-CN" sz="2400" dirty="0"/>
+          </a:p>
+          <a:p>
+            <a:pPr lvl="1"/>
+            <a:r>
+              <a:rPr lang="en-US" altLang="zh-CN" sz="2400" dirty="0" smtClean="0"/>
+              <a:t>JAXB</a:t>
+            </a:r>
+            <a:endParaRPr lang="en-US" altLang="zh-CN" sz="2400" dirty="0"/>
+          </a:p>
+        </p:txBody>
+      </p:sp>
     </p:spTree>
     <p:extLst>
       <p:ext uri="{BB962C8B-B14F-4D97-AF65-F5344CB8AC3E}">
-        <p14:creationId xmlns:p14="http://schemas.microsoft.com/office/powerpoint/2010/main" val="3324334849"/>
+        <p14:creationId xmlns:p14="http://schemas.microsoft.com/office/powerpoint/2010/main" val="2455254018"/>
       </p:ext>
     </p:extLst>
   </p:cSld>
@@ -5111,7 +5140,7 @@
           <a:lstStyle/>
           <a:p>
             <a:r>
-              <a:rPr lang="en-US" altLang="zh-CN" dirty="0"/>
+              <a:rPr lang="en-US" altLang="zh-CN" dirty="0" smtClean="0"/>
               <a:t>Implementation</a:t>
             </a:r>
             <a:endParaRPr lang="zh-CN" altLang="en-US" dirty="0"/>
@@ -5150,7 +5179,7 @@
     </p:spTree>
     <p:extLst>
       <p:ext uri="{BB962C8B-B14F-4D97-AF65-F5344CB8AC3E}">
-        <p14:creationId xmlns:p14="http://schemas.microsoft.com/office/powerpoint/2010/main" val="4164479460"/>
+        <p14:creationId xmlns:p14="http://schemas.microsoft.com/office/powerpoint/2010/main" val="3324334849"/>
       </p:ext>
     </p:extLst>
   </p:cSld>
@@ -5200,70 +5229,46 @@
           <a:lstStyle/>
           <a:p>
             <a:r>
-              <a:rPr lang="en-US" altLang="zh-CN" dirty="0" smtClean="0"/>
+              <a:rPr lang="en-US" altLang="zh-CN" dirty="0"/>
               <a:t>Implementation</a:t>
             </a:r>
             <a:endParaRPr lang="zh-CN" altLang="en-US" dirty="0"/>
           </a:p>
         </p:txBody>
       </p:sp>
-      <p:sp>
-        <p:nvSpPr>
-          <p:cNvPr id="3" name="内容占位符 2"/>
-          <p:cNvSpPr>
-            <a:spLocks noGrp="1"/>
-          </p:cNvSpPr>
+      <p:pic>
+        <p:nvPicPr>
+          <p:cNvPr id="4" name="内容占位符 3"/>
+          <p:cNvPicPr>
+            <a:picLocks noGrp="1" noChangeAspect="1"/>
+          </p:cNvPicPr>
           <p:nvPr>
             <p:ph idx="1"/>
           </p:nvPr>
-        </p:nvSpPr>
-        <p:spPr/>
-        <p:txBody>
-          <a:bodyPr/>
-          <a:lstStyle/>
-          <a:p>
-            <a:endParaRPr lang="en-US" altLang="zh-CN" dirty="0" smtClean="0"/>
-          </a:p>
-          <a:p>
-            <a:r>
-              <a:rPr lang="en-US" altLang="zh-CN" dirty="0" smtClean="0"/>
-              <a:t>Tools recommendation</a:t>
-            </a:r>
-          </a:p>
-          <a:p>
-            <a:pPr lvl="1"/>
-            <a:r>
-              <a:rPr lang="en-US" altLang="zh-CN" dirty="0">
-                <a:hlinkClick r:id="rId2"/>
-              </a:rPr>
-              <a:t>http://www.jsonschema2pojo.org/</a:t>
-            </a:r>
-            <a:endParaRPr lang="en-US" altLang="zh-CN" dirty="0"/>
-          </a:p>
-          <a:p>
-            <a:pPr lvl="1"/>
-            <a:r>
-              <a:rPr lang="en-US" altLang="zh-CN" dirty="0">
-                <a:hlinkClick r:id="rId3"/>
-              </a:rPr>
-              <a:t>https://code.google.com/p/google-gson/</a:t>
-            </a:r>
-            <a:endParaRPr lang="en-US" altLang="zh-CN" dirty="0"/>
-          </a:p>
-          <a:p>
-            <a:pPr lvl="1"/>
-            <a:r>
-              <a:rPr lang="en-US" altLang="zh-CN" dirty="0" smtClean="0"/>
-              <a:t>JAXB</a:t>
-            </a:r>
-            <a:endParaRPr lang="en-US" altLang="zh-CN" dirty="0"/>
-          </a:p>
-        </p:txBody>
-      </p:sp>
+        </p:nvPicPr>
+        <p:blipFill>
+          <a:blip r:embed="rId2" cstate="print">
+            <a:extLst>
+              <a:ext uri="{28A0092B-C50C-407E-A947-70E740481C1C}">
+                <a14:useLocalDpi xmlns:a14="http://schemas.microsoft.com/office/drawing/2010/main" val="0"/>
+              </a:ext>
+            </a:extLst>
+          </a:blip>
+          <a:stretch>
+            <a:fillRect/>
+          </a:stretch>
+        </p:blipFill>
+        <p:spPr>
+          <a:xfrm>
+            <a:off x="2907983" y="1846263"/>
+            <a:ext cx="6436360" cy="4022725"/>
+          </a:xfrm>
+        </p:spPr>
+      </p:pic>
     </p:spTree>
     <p:extLst>
       <p:ext uri="{BB962C8B-B14F-4D97-AF65-F5344CB8AC3E}">
-        <p14:creationId xmlns:p14="http://schemas.microsoft.com/office/powerpoint/2010/main" val="185572335"/>
+        <p14:creationId xmlns:p14="http://schemas.microsoft.com/office/powerpoint/2010/main" val="4164479460"/>
       </p:ext>
     </p:extLst>
   </p:cSld>
